--- a/ppt 16-9/1225.晨更赞美.pptx
+++ b/ppt 16-9/1225.晨更赞美.pptx
@@ -129,7 +129,7 @@
           <p:cNvPr id="2" name="标题 1">
             <a:extLst>
               <a:ext uri="{FF2B5EF4-FFF2-40B4-BE49-F238E27FC236}">
-                <a16:creationId xmlns:a16="http://schemas.microsoft.com/office/drawing/2014/main" id="{A2302A98-EC20-5899-7B4C-05118BE16C2D}"/>
+                <a16:creationId xmlns:a16="http://schemas.microsoft.com/office/drawing/2014/main" id="{4E696ED7-5E72-733A-CDD7-035E84E39750}"/>
               </a:ext>
             </a:extLst>
           </p:cNvPr>
@@ -166,7 +166,7 @@
           <p:cNvPr id="3" name="副标题 2">
             <a:extLst>
               <a:ext uri="{FF2B5EF4-FFF2-40B4-BE49-F238E27FC236}">
-                <a16:creationId xmlns:a16="http://schemas.microsoft.com/office/drawing/2014/main" id="{63B4820B-4FB4-0085-C052-9EBC8035319B}"/>
+                <a16:creationId xmlns:a16="http://schemas.microsoft.com/office/drawing/2014/main" id="{EBD1FF57-7011-2B01-D913-656CCD2AFE8B}"/>
               </a:ext>
             </a:extLst>
           </p:cNvPr>
@@ -236,7 +236,7 @@
           <p:cNvPr id="4" name="日期占位符 3">
             <a:extLst>
               <a:ext uri="{FF2B5EF4-FFF2-40B4-BE49-F238E27FC236}">
-                <a16:creationId xmlns:a16="http://schemas.microsoft.com/office/drawing/2014/main" id="{10113525-6494-8ED0-1A92-5BAF0AEDE342}"/>
+                <a16:creationId xmlns:a16="http://schemas.microsoft.com/office/drawing/2014/main" id="{5788062A-8E61-3674-3A89-7553C9088CED}"/>
               </a:ext>
             </a:extLst>
           </p:cNvPr>
@@ -252,7 +252,7 @@
           <a:bodyPr/>
           <a:lstStyle/>
           <a:p>
-            <a:fld id="{427BFFA1-00A6-489F-8B6A-DCD778500B25}" type="datetimeFigureOut">
+            <a:fld id="{B3065D32-A6BD-4F50-9D7C-049C065D2763}" type="datetimeFigureOut">
               <a:rPr lang="zh-CN" altLang="en-US" smtClean="0"/>
               <a:t>2024/3/10</a:t>
             </a:fld>
@@ -265,7 +265,7 @@
           <p:cNvPr id="5" name="页脚占位符 4">
             <a:extLst>
               <a:ext uri="{FF2B5EF4-FFF2-40B4-BE49-F238E27FC236}">
-                <a16:creationId xmlns:a16="http://schemas.microsoft.com/office/drawing/2014/main" id="{1267B6A5-D61A-22A6-9912-E5CE69769623}"/>
+                <a16:creationId xmlns:a16="http://schemas.microsoft.com/office/drawing/2014/main" id="{AE659DA9-5D72-0B98-8003-4F6ABA6801EC}"/>
               </a:ext>
             </a:extLst>
           </p:cNvPr>
@@ -290,7 +290,7 @@
           <p:cNvPr id="6" name="灯片编号占位符 5">
             <a:extLst>
               <a:ext uri="{FF2B5EF4-FFF2-40B4-BE49-F238E27FC236}">
-                <a16:creationId xmlns:a16="http://schemas.microsoft.com/office/drawing/2014/main" id="{73E51C28-2CEA-6BC2-748A-3739AD1CFE4B}"/>
+                <a16:creationId xmlns:a16="http://schemas.microsoft.com/office/drawing/2014/main" id="{8DF7D8FA-235E-DD75-8CBA-B1B830674925}"/>
               </a:ext>
             </a:extLst>
           </p:cNvPr>
@@ -306,7 +306,7 @@
           <a:bodyPr/>
           <a:lstStyle/>
           <a:p>
-            <a:fld id="{90F48551-40CA-4C2B-AEDD-9E1743D5ADD4}" type="slidenum">
+            <a:fld id="{01FDD88A-43DC-4095-9C04-A98F488A419D}" type="slidenum">
               <a:rPr lang="zh-CN" altLang="en-US" smtClean="0"/>
               <a:t>‹#›</a:t>
             </a:fld>
@@ -317,7 +317,7 @@
     </p:spTree>
     <p:extLst>
       <p:ext uri="{BB962C8B-B14F-4D97-AF65-F5344CB8AC3E}">
-        <p14:creationId xmlns:p14="http://schemas.microsoft.com/office/powerpoint/2010/main" val="3521942807"/>
+        <p14:creationId xmlns:p14="http://schemas.microsoft.com/office/powerpoint/2010/main" val="4175605716"/>
       </p:ext>
     </p:extLst>
   </p:cSld>
@@ -349,7 +349,7 @@
           <p:cNvPr id="2" name="标题 1">
             <a:extLst>
               <a:ext uri="{FF2B5EF4-FFF2-40B4-BE49-F238E27FC236}">
-                <a16:creationId xmlns:a16="http://schemas.microsoft.com/office/drawing/2014/main" id="{E471E74D-CA7E-AACE-7DE2-F83632AFE9D7}"/>
+                <a16:creationId xmlns:a16="http://schemas.microsoft.com/office/drawing/2014/main" id="{7A9364BF-C847-0117-B343-8A8CDAF91413}"/>
               </a:ext>
             </a:extLst>
           </p:cNvPr>
@@ -377,7 +377,7 @@
           <p:cNvPr id="3" name="竖排文字占位符 2">
             <a:extLst>
               <a:ext uri="{FF2B5EF4-FFF2-40B4-BE49-F238E27FC236}">
-                <a16:creationId xmlns:a16="http://schemas.microsoft.com/office/drawing/2014/main" id="{C0E59A71-7F9D-A0B7-1F03-9603CCE7BDC5}"/>
+                <a16:creationId xmlns:a16="http://schemas.microsoft.com/office/drawing/2014/main" id="{1D4263D4-75D2-73B6-A1A2-D0C8E664D6C8}"/>
               </a:ext>
             </a:extLst>
           </p:cNvPr>
@@ -434,7 +434,7 @@
           <p:cNvPr id="4" name="日期占位符 3">
             <a:extLst>
               <a:ext uri="{FF2B5EF4-FFF2-40B4-BE49-F238E27FC236}">
-                <a16:creationId xmlns:a16="http://schemas.microsoft.com/office/drawing/2014/main" id="{502CAB8A-89D1-CEF1-B4C9-FEA727BEC82E}"/>
+                <a16:creationId xmlns:a16="http://schemas.microsoft.com/office/drawing/2014/main" id="{C95A5212-AD45-E923-0D6F-0237F6AC2AD1}"/>
               </a:ext>
             </a:extLst>
           </p:cNvPr>
@@ -450,7 +450,7 @@
           <a:bodyPr/>
           <a:lstStyle/>
           <a:p>
-            <a:fld id="{427BFFA1-00A6-489F-8B6A-DCD778500B25}" type="datetimeFigureOut">
+            <a:fld id="{B3065D32-A6BD-4F50-9D7C-049C065D2763}" type="datetimeFigureOut">
               <a:rPr lang="zh-CN" altLang="en-US" smtClean="0"/>
               <a:t>2024/3/10</a:t>
             </a:fld>
@@ -463,7 +463,7 @@
           <p:cNvPr id="5" name="页脚占位符 4">
             <a:extLst>
               <a:ext uri="{FF2B5EF4-FFF2-40B4-BE49-F238E27FC236}">
-                <a16:creationId xmlns:a16="http://schemas.microsoft.com/office/drawing/2014/main" id="{D392EFF6-6928-1391-A043-BDF28F8F603A}"/>
+                <a16:creationId xmlns:a16="http://schemas.microsoft.com/office/drawing/2014/main" id="{8D419F08-6E92-D5A2-9334-4AC5D3F98975}"/>
               </a:ext>
             </a:extLst>
           </p:cNvPr>
@@ -488,7 +488,7 @@
           <p:cNvPr id="6" name="灯片编号占位符 5">
             <a:extLst>
               <a:ext uri="{FF2B5EF4-FFF2-40B4-BE49-F238E27FC236}">
-                <a16:creationId xmlns:a16="http://schemas.microsoft.com/office/drawing/2014/main" id="{D162754E-16AC-D442-E343-5A06C8AD1ACA}"/>
+                <a16:creationId xmlns:a16="http://schemas.microsoft.com/office/drawing/2014/main" id="{B2E2B3DA-999C-3BA2-F175-6F6AD913CACB}"/>
               </a:ext>
             </a:extLst>
           </p:cNvPr>
@@ -504,7 +504,7 @@
           <a:bodyPr/>
           <a:lstStyle/>
           <a:p>
-            <a:fld id="{90F48551-40CA-4C2B-AEDD-9E1743D5ADD4}" type="slidenum">
+            <a:fld id="{01FDD88A-43DC-4095-9C04-A98F488A419D}" type="slidenum">
               <a:rPr lang="zh-CN" altLang="en-US" smtClean="0"/>
               <a:t>‹#›</a:t>
             </a:fld>
@@ -515,7 +515,7 @@
     </p:spTree>
     <p:extLst>
       <p:ext uri="{BB962C8B-B14F-4D97-AF65-F5344CB8AC3E}">
-        <p14:creationId xmlns:p14="http://schemas.microsoft.com/office/powerpoint/2010/main" val="2097460021"/>
+        <p14:creationId xmlns:p14="http://schemas.microsoft.com/office/powerpoint/2010/main" val="2538774550"/>
       </p:ext>
     </p:extLst>
   </p:cSld>
@@ -547,7 +547,7 @@
           <p:cNvPr id="2" name="竖排标题 1">
             <a:extLst>
               <a:ext uri="{FF2B5EF4-FFF2-40B4-BE49-F238E27FC236}">
-                <a16:creationId xmlns:a16="http://schemas.microsoft.com/office/drawing/2014/main" id="{D46C6753-4C5E-86AC-5A07-38929A4A8E76}"/>
+                <a16:creationId xmlns:a16="http://schemas.microsoft.com/office/drawing/2014/main" id="{F6A03E96-94B7-55F1-1A76-FD37269AD82D}"/>
               </a:ext>
             </a:extLst>
           </p:cNvPr>
@@ -580,7 +580,7 @@
           <p:cNvPr id="3" name="竖排文字占位符 2">
             <a:extLst>
               <a:ext uri="{FF2B5EF4-FFF2-40B4-BE49-F238E27FC236}">
-                <a16:creationId xmlns:a16="http://schemas.microsoft.com/office/drawing/2014/main" id="{563C7A7B-DCC6-768A-62A9-5A3E7E92788D}"/>
+                <a16:creationId xmlns:a16="http://schemas.microsoft.com/office/drawing/2014/main" id="{A9162A67-5F89-14EE-1984-400F9733A6A4}"/>
               </a:ext>
             </a:extLst>
           </p:cNvPr>
@@ -642,7 +642,7 @@
           <p:cNvPr id="4" name="日期占位符 3">
             <a:extLst>
               <a:ext uri="{FF2B5EF4-FFF2-40B4-BE49-F238E27FC236}">
-                <a16:creationId xmlns:a16="http://schemas.microsoft.com/office/drawing/2014/main" id="{A7DC08FA-1B04-2DEA-DB46-566CA2332408}"/>
+                <a16:creationId xmlns:a16="http://schemas.microsoft.com/office/drawing/2014/main" id="{BF7E6F10-5D47-B565-98D3-637004BEF860}"/>
               </a:ext>
             </a:extLst>
           </p:cNvPr>
@@ -658,7 +658,7 @@
           <a:bodyPr/>
           <a:lstStyle/>
           <a:p>
-            <a:fld id="{427BFFA1-00A6-489F-8B6A-DCD778500B25}" type="datetimeFigureOut">
+            <a:fld id="{B3065D32-A6BD-4F50-9D7C-049C065D2763}" type="datetimeFigureOut">
               <a:rPr lang="zh-CN" altLang="en-US" smtClean="0"/>
               <a:t>2024/3/10</a:t>
             </a:fld>
@@ -671,7 +671,7 @@
           <p:cNvPr id="5" name="页脚占位符 4">
             <a:extLst>
               <a:ext uri="{FF2B5EF4-FFF2-40B4-BE49-F238E27FC236}">
-                <a16:creationId xmlns:a16="http://schemas.microsoft.com/office/drawing/2014/main" id="{221F48DD-3609-9AC9-04D5-E829C6D4FDE5}"/>
+                <a16:creationId xmlns:a16="http://schemas.microsoft.com/office/drawing/2014/main" id="{0504A0C9-4416-CC7E-6264-DA99D168055B}"/>
               </a:ext>
             </a:extLst>
           </p:cNvPr>
@@ -696,7 +696,7 @@
           <p:cNvPr id="6" name="灯片编号占位符 5">
             <a:extLst>
               <a:ext uri="{FF2B5EF4-FFF2-40B4-BE49-F238E27FC236}">
-                <a16:creationId xmlns:a16="http://schemas.microsoft.com/office/drawing/2014/main" id="{A9EF5F51-1F3E-0568-63E9-DB21265FBE22}"/>
+                <a16:creationId xmlns:a16="http://schemas.microsoft.com/office/drawing/2014/main" id="{377128D0-48B3-8AC1-9F5E-0D1D809336AF}"/>
               </a:ext>
             </a:extLst>
           </p:cNvPr>
@@ -712,7 +712,7 @@
           <a:bodyPr/>
           <a:lstStyle/>
           <a:p>
-            <a:fld id="{90F48551-40CA-4C2B-AEDD-9E1743D5ADD4}" type="slidenum">
+            <a:fld id="{01FDD88A-43DC-4095-9C04-A98F488A419D}" type="slidenum">
               <a:rPr lang="zh-CN" altLang="en-US" smtClean="0"/>
               <a:t>‹#›</a:t>
             </a:fld>
@@ -723,7 +723,7 @@
     </p:spTree>
     <p:extLst>
       <p:ext uri="{BB962C8B-B14F-4D97-AF65-F5344CB8AC3E}">
-        <p14:creationId xmlns:p14="http://schemas.microsoft.com/office/powerpoint/2010/main" val="3693854342"/>
+        <p14:creationId xmlns:p14="http://schemas.microsoft.com/office/powerpoint/2010/main" val="4055162360"/>
       </p:ext>
     </p:extLst>
   </p:cSld>
@@ -755,7 +755,7 @@
           <p:cNvPr id="2" name="标题 1">
             <a:extLst>
               <a:ext uri="{FF2B5EF4-FFF2-40B4-BE49-F238E27FC236}">
-                <a16:creationId xmlns:a16="http://schemas.microsoft.com/office/drawing/2014/main" id="{D83B1D6F-B4BE-7B2F-6636-87727661D114}"/>
+                <a16:creationId xmlns:a16="http://schemas.microsoft.com/office/drawing/2014/main" id="{ECA8942F-F49C-7B60-2608-7E4435DEB6D8}"/>
               </a:ext>
             </a:extLst>
           </p:cNvPr>
@@ -783,7 +783,7 @@
           <p:cNvPr id="3" name="内容占位符 2">
             <a:extLst>
               <a:ext uri="{FF2B5EF4-FFF2-40B4-BE49-F238E27FC236}">
-                <a16:creationId xmlns:a16="http://schemas.microsoft.com/office/drawing/2014/main" id="{30D77AB8-F591-5C03-A401-AC9F80C9EE9C}"/>
+                <a16:creationId xmlns:a16="http://schemas.microsoft.com/office/drawing/2014/main" id="{954CD6BC-D4FE-B495-9881-62DEEDF29F45}"/>
               </a:ext>
             </a:extLst>
           </p:cNvPr>
@@ -840,7 +840,7 @@
           <p:cNvPr id="4" name="日期占位符 3">
             <a:extLst>
               <a:ext uri="{FF2B5EF4-FFF2-40B4-BE49-F238E27FC236}">
-                <a16:creationId xmlns:a16="http://schemas.microsoft.com/office/drawing/2014/main" id="{EF9D3322-D25D-3821-334F-F626CE54C5E2}"/>
+                <a16:creationId xmlns:a16="http://schemas.microsoft.com/office/drawing/2014/main" id="{AAF33D55-1AA5-9660-7EEC-6CC1B2733C07}"/>
               </a:ext>
             </a:extLst>
           </p:cNvPr>
@@ -856,7 +856,7 @@
           <a:bodyPr/>
           <a:lstStyle/>
           <a:p>
-            <a:fld id="{427BFFA1-00A6-489F-8B6A-DCD778500B25}" type="datetimeFigureOut">
+            <a:fld id="{B3065D32-A6BD-4F50-9D7C-049C065D2763}" type="datetimeFigureOut">
               <a:rPr lang="zh-CN" altLang="en-US" smtClean="0"/>
               <a:t>2024/3/10</a:t>
             </a:fld>
@@ -869,7 +869,7 @@
           <p:cNvPr id="5" name="页脚占位符 4">
             <a:extLst>
               <a:ext uri="{FF2B5EF4-FFF2-40B4-BE49-F238E27FC236}">
-                <a16:creationId xmlns:a16="http://schemas.microsoft.com/office/drawing/2014/main" id="{543D1E15-CD8A-0103-462E-769675C94218}"/>
+                <a16:creationId xmlns:a16="http://schemas.microsoft.com/office/drawing/2014/main" id="{A0EEBBBC-D0F7-45D6-45C7-2428EAF61D38}"/>
               </a:ext>
             </a:extLst>
           </p:cNvPr>
@@ -894,7 +894,7 @@
           <p:cNvPr id="6" name="灯片编号占位符 5">
             <a:extLst>
               <a:ext uri="{FF2B5EF4-FFF2-40B4-BE49-F238E27FC236}">
-                <a16:creationId xmlns:a16="http://schemas.microsoft.com/office/drawing/2014/main" id="{E3390358-403B-C07D-702E-6AE6F5C1BA3C}"/>
+                <a16:creationId xmlns:a16="http://schemas.microsoft.com/office/drawing/2014/main" id="{67AF7C86-32E2-AD9E-0A0D-ADDB526E5A53}"/>
               </a:ext>
             </a:extLst>
           </p:cNvPr>
@@ -910,7 +910,7 @@
           <a:bodyPr/>
           <a:lstStyle/>
           <a:p>
-            <a:fld id="{90F48551-40CA-4C2B-AEDD-9E1743D5ADD4}" type="slidenum">
+            <a:fld id="{01FDD88A-43DC-4095-9C04-A98F488A419D}" type="slidenum">
               <a:rPr lang="zh-CN" altLang="en-US" smtClean="0"/>
               <a:t>‹#›</a:t>
             </a:fld>
@@ -921,7 +921,7 @@
     </p:spTree>
     <p:extLst>
       <p:ext uri="{BB962C8B-B14F-4D97-AF65-F5344CB8AC3E}">
-        <p14:creationId xmlns:p14="http://schemas.microsoft.com/office/powerpoint/2010/main" val="900929833"/>
+        <p14:creationId xmlns:p14="http://schemas.microsoft.com/office/powerpoint/2010/main" val="1694770582"/>
       </p:ext>
     </p:extLst>
   </p:cSld>
@@ -953,7 +953,7 @@
           <p:cNvPr id="2" name="标题 1">
             <a:extLst>
               <a:ext uri="{FF2B5EF4-FFF2-40B4-BE49-F238E27FC236}">
-                <a16:creationId xmlns:a16="http://schemas.microsoft.com/office/drawing/2014/main" id="{2A3F385E-9548-7C3B-15CD-E13170B7CCA1}"/>
+                <a16:creationId xmlns:a16="http://schemas.microsoft.com/office/drawing/2014/main" id="{4CAC6D57-AF2E-94C7-E65F-AEC70A6DD78F}"/>
               </a:ext>
             </a:extLst>
           </p:cNvPr>
@@ -990,7 +990,7 @@
           <p:cNvPr id="3" name="文本占位符 2">
             <a:extLst>
               <a:ext uri="{FF2B5EF4-FFF2-40B4-BE49-F238E27FC236}">
-                <a16:creationId xmlns:a16="http://schemas.microsoft.com/office/drawing/2014/main" id="{347AFFB3-89B6-370E-CC6A-60FEACC05CFC}"/>
+                <a16:creationId xmlns:a16="http://schemas.microsoft.com/office/drawing/2014/main" id="{4407F468-5DC6-A962-BBE0-10561C8B96B0}"/>
               </a:ext>
             </a:extLst>
           </p:cNvPr>
@@ -1115,7 +1115,7 @@
           <p:cNvPr id="4" name="日期占位符 3">
             <a:extLst>
               <a:ext uri="{FF2B5EF4-FFF2-40B4-BE49-F238E27FC236}">
-                <a16:creationId xmlns:a16="http://schemas.microsoft.com/office/drawing/2014/main" id="{1BB888B8-771A-13BD-F29F-A9D9A081C3C8}"/>
+                <a16:creationId xmlns:a16="http://schemas.microsoft.com/office/drawing/2014/main" id="{5D25DFC7-ED6D-A1A7-9C59-0A242626C37E}"/>
               </a:ext>
             </a:extLst>
           </p:cNvPr>
@@ -1131,7 +1131,7 @@
           <a:bodyPr/>
           <a:lstStyle/>
           <a:p>
-            <a:fld id="{427BFFA1-00A6-489F-8B6A-DCD778500B25}" type="datetimeFigureOut">
+            <a:fld id="{B3065D32-A6BD-4F50-9D7C-049C065D2763}" type="datetimeFigureOut">
               <a:rPr lang="zh-CN" altLang="en-US" smtClean="0"/>
               <a:t>2024/3/10</a:t>
             </a:fld>
@@ -1144,7 +1144,7 @@
           <p:cNvPr id="5" name="页脚占位符 4">
             <a:extLst>
               <a:ext uri="{FF2B5EF4-FFF2-40B4-BE49-F238E27FC236}">
-                <a16:creationId xmlns:a16="http://schemas.microsoft.com/office/drawing/2014/main" id="{47915536-8D9B-7852-6EA7-6D56DF2F16C8}"/>
+                <a16:creationId xmlns:a16="http://schemas.microsoft.com/office/drawing/2014/main" id="{3D6022C4-D7FE-D0D7-2411-3A7595639786}"/>
               </a:ext>
             </a:extLst>
           </p:cNvPr>
@@ -1169,7 +1169,7 @@
           <p:cNvPr id="6" name="灯片编号占位符 5">
             <a:extLst>
               <a:ext uri="{FF2B5EF4-FFF2-40B4-BE49-F238E27FC236}">
-                <a16:creationId xmlns:a16="http://schemas.microsoft.com/office/drawing/2014/main" id="{C4445C96-84D9-AF92-614E-9C72EA6AB73A}"/>
+                <a16:creationId xmlns:a16="http://schemas.microsoft.com/office/drawing/2014/main" id="{798414FD-ECFB-DDC4-AA15-46C476F4C6E1}"/>
               </a:ext>
             </a:extLst>
           </p:cNvPr>
@@ -1185,7 +1185,7 @@
           <a:bodyPr/>
           <a:lstStyle/>
           <a:p>
-            <a:fld id="{90F48551-40CA-4C2B-AEDD-9E1743D5ADD4}" type="slidenum">
+            <a:fld id="{01FDD88A-43DC-4095-9C04-A98F488A419D}" type="slidenum">
               <a:rPr lang="zh-CN" altLang="en-US" smtClean="0"/>
               <a:t>‹#›</a:t>
             </a:fld>
@@ -1196,7 +1196,7 @@
     </p:spTree>
     <p:extLst>
       <p:ext uri="{BB962C8B-B14F-4D97-AF65-F5344CB8AC3E}">
-        <p14:creationId xmlns:p14="http://schemas.microsoft.com/office/powerpoint/2010/main" val="1619043280"/>
+        <p14:creationId xmlns:p14="http://schemas.microsoft.com/office/powerpoint/2010/main" val="809066647"/>
       </p:ext>
     </p:extLst>
   </p:cSld>
@@ -1228,7 +1228,7 @@
           <p:cNvPr id="2" name="标题 1">
             <a:extLst>
               <a:ext uri="{FF2B5EF4-FFF2-40B4-BE49-F238E27FC236}">
-                <a16:creationId xmlns:a16="http://schemas.microsoft.com/office/drawing/2014/main" id="{2FFFA4A1-2CCD-075D-0E1B-842540C23DF6}"/>
+                <a16:creationId xmlns:a16="http://schemas.microsoft.com/office/drawing/2014/main" id="{775A2231-E458-30E1-3CBE-7780D86C8130}"/>
               </a:ext>
             </a:extLst>
           </p:cNvPr>
@@ -1256,7 +1256,7 @@
           <p:cNvPr id="3" name="内容占位符 2">
             <a:extLst>
               <a:ext uri="{FF2B5EF4-FFF2-40B4-BE49-F238E27FC236}">
-                <a16:creationId xmlns:a16="http://schemas.microsoft.com/office/drawing/2014/main" id="{509D9058-F875-A663-4939-7C386FB3CA9F}"/>
+                <a16:creationId xmlns:a16="http://schemas.microsoft.com/office/drawing/2014/main" id="{30AAA0A4-E0C1-C498-AF2D-EC51B4DB537E}"/>
               </a:ext>
             </a:extLst>
           </p:cNvPr>
@@ -1318,7 +1318,7 @@
           <p:cNvPr id="4" name="内容占位符 3">
             <a:extLst>
               <a:ext uri="{FF2B5EF4-FFF2-40B4-BE49-F238E27FC236}">
-                <a16:creationId xmlns:a16="http://schemas.microsoft.com/office/drawing/2014/main" id="{7DF2D3FF-9306-0696-A156-E9DD46161A01}"/>
+                <a16:creationId xmlns:a16="http://schemas.microsoft.com/office/drawing/2014/main" id="{1FF74B2C-97B9-BA89-F317-DB25D255420C}"/>
               </a:ext>
             </a:extLst>
           </p:cNvPr>
@@ -1380,7 +1380,7 @@
           <p:cNvPr id="5" name="日期占位符 4">
             <a:extLst>
               <a:ext uri="{FF2B5EF4-FFF2-40B4-BE49-F238E27FC236}">
-                <a16:creationId xmlns:a16="http://schemas.microsoft.com/office/drawing/2014/main" id="{8FFCEB83-5851-2E85-4E3B-107E6FB867AA}"/>
+                <a16:creationId xmlns:a16="http://schemas.microsoft.com/office/drawing/2014/main" id="{A8AA3738-3329-CC56-154A-8F3465E8BF59}"/>
               </a:ext>
             </a:extLst>
           </p:cNvPr>
@@ -1396,7 +1396,7 @@
           <a:bodyPr/>
           <a:lstStyle/>
           <a:p>
-            <a:fld id="{427BFFA1-00A6-489F-8B6A-DCD778500B25}" type="datetimeFigureOut">
+            <a:fld id="{B3065D32-A6BD-4F50-9D7C-049C065D2763}" type="datetimeFigureOut">
               <a:rPr lang="zh-CN" altLang="en-US" smtClean="0"/>
               <a:t>2024/3/10</a:t>
             </a:fld>
@@ -1409,7 +1409,7 @@
           <p:cNvPr id="6" name="页脚占位符 5">
             <a:extLst>
               <a:ext uri="{FF2B5EF4-FFF2-40B4-BE49-F238E27FC236}">
-                <a16:creationId xmlns:a16="http://schemas.microsoft.com/office/drawing/2014/main" id="{6F1491A5-51E3-78D7-E9E4-2FF94139B74D}"/>
+                <a16:creationId xmlns:a16="http://schemas.microsoft.com/office/drawing/2014/main" id="{FE5C1171-1DED-B47D-A587-1E00CF827DDD}"/>
               </a:ext>
             </a:extLst>
           </p:cNvPr>
@@ -1434,7 +1434,7 @@
           <p:cNvPr id="7" name="灯片编号占位符 6">
             <a:extLst>
               <a:ext uri="{FF2B5EF4-FFF2-40B4-BE49-F238E27FC236}">
-                <a16:creationId xmlns:a16="http://schemas.microsoft.com/office/drawing/2014/main" id="{FED94653-066F-23FB-DA70-E7EA8829F1F0}"/>
+                <a16:creationId xmlns:a16="http://schemas.microsoft.com/office/drawing/2014/main" id="{FA307805-9D56-45E0-B676-B0C6716298F5}"/>
               </a:ext>
             </a:extLst>
           </p:cNvPr>
@@ -1450,7 +1450,7 @@
           <a:bodyPr/>
           <a:lstStyle/>
           <a:p>
-            <a:fld id="{90F48551-40CA-4C2B-AEDD-9E1743D5ADD4}" type="slidenum">
+            <a:fld id="{01FDD88A-43DC-4095-9C04-A98F488A419D}" type="slidenum">
               <a:rPr lang="zh-CN" altLang="en-US" smtClean="0"/>
               <a:t>‹#›</a:t>
             </a:fld>
@@ -1461,7 +1461,7 @@
     </p:spTree>
     <p:extLst>
       <p:ext uri="{BB962C8B-B14F-4D97-AF65-F5344CB8AC3E}">
-        <p14:creationId xmlns:p14="http://schemas.microsoft.com/office/powerpoint/2010/main" val="3369968918"/>
+        <p14:creationId xmlns:p14="http://schemas.microsoft.com/office/powerpoint/2010/main" val="4256471467"/>
       </p:ext>
     </p:extLst>
   </p:cSld>
@@ -1493,7 +1493,7 @@
           <p:cNvPr id="2" name="标题 1">
             <a:extLst>
               <a:ext uri="{FF2B5EF4-FFF2-40B4-BE49-F238E27FC236}">
-                <a16:creationId xmlns:a16="http://schemas.microsoft.com/office/drawing/2014/main" id="{41D6672C-0A98-C83B-41AD-F558F4E07928}"/>
+                <a16:creationId xmlns:a16="http://schemas.microsoft.com/office/drawing/2014/main" id="{52DE3B7C-9F00-2129-2ACE-C7F85C4FD22B}"/>
               </a:ext>
             </a:extLst>
           </p:cNvPr>
@@ -1526,7 +1526,7 @@
           <p:cNvPr id="3" name="文本占位符 2">
             <a:extLst>
               <a:ext uri="{FF2B5EF4-FFF2-40B4-BE49-F238E27FC236}">
-                <a16:creationId xmlns:a16="http://schemas.microsoft.com/office/drawing/2014/main" id="{0D76CE64-2F10-3EC5-2DF6-F200E610E147}"/>
+                <a16:creationId xmlns:a16="http://schemas.microsoft.com/office/drawing/2014/main" id="{84D697B8-1459-4A85-0AEA-0ABE3939E6BB}"/>
               </a:ext>
             </a:extLst>
           </p:cNvPr>
@@ -1597,7 +1597,7 @@
           <p:cNvPr id="4" name="内容占位符 3">
             <a:extLst>
               <a:ext uri="{FF2B5EF4-FFF2-40B4-BE49-F238E27FC236}">
-                <a16:creationId xmlns:a16="http://schemas.microsoft.com/office/drawing/2014/main" id="{475E4D4A-9B22-39BF-8426-4B6CE12E3F82}"/>
+                <a16:creationId xmlns:a16="http://schemas.microsoft.com/office/drawing/2014/main" id="{33F3BD65-FBFA-F515-CCF5-02D02D549CBC}"/>
               </a:ext>
             </a:extLst>
           </p:cNvPr>
@@ -1659,7 +1659,7 @@
           <p:cNvPr id="5" name="文本占位符 4">
             <a:extLst>
               <a:ext uri="{FF2B5EF4-FFF2-40B4-BE49-F238E27FC236}">
-                <a16:creationId xmlns:a16="http://schemas.microsoft.com/office/drawing/2014/main" id="{762F2EFD-7FB3-D918-D3AB-03A632CD483D}"/>
+                <a16:creationId xmlns:a16="http://schemas.microsoft.com/office/drawing/2014/main" id="{12E02597-794D-7550-77DB-B1BE7BCD8E87}"/>
               </a:ext>
             </a:extLst>
           </p:cNvPr>
@@ -1730,7 +1730,7 @@
           <p:cNvPr id="6" name="内容占位符 5">
             <a:extLst>
               <a:ext uri="{FF2B5EF4-FFF2-40B4-BE49-F238E27FC236}">
-                <a16:creationId xmlns:a16="http://schemas.microsoft.com/office/drawing/2014/main" id="{4221758B-8F64-9859-697C-E7F7CDA4E4E8}"/>
+                <a16:creationId xmlns:a16="http://schemas.microsoft.com/office/drawing/2014/main" id="{41F1373B-3B75-A49E-9BEF-71871DCAA737}"/>
               </a:ext>
             </a:extLst>
           </p:cNvPr>
@@ -1792,7 +1792,7 @@
           <p:cNvPr id="7" name="日期占位符 6">
             <a:extLst>
               <a:ext uri="{FF2B5EF4-FFF2-40B4-BE49-F238E27FC236}">
-                <a16:creationId xmlns:a16="http://schemas.microsoft.com/office/drawing/2014/main" id="{B50B177F-8DC9-5BF2-27A2-1D130955AF43}"/>
+                <a16:creationId xmlns:a16="http://schemas.microsoft.com/office/drawing/2014/main" id="{9D88B2E5-C6AF-991C-ECA5-7DA12224EC7B}"/>
               </a:ext>
             </a:extLst>
           </p:cNvPr>
@@ -1808,7 +1808,7 @@
           <a:bodyPr/>
           <a:lstStyle/>
           <a:p>
-            <a:fld id="{427BFFA1-00A6-489F-8B6A-DCD778500B25}" type="datetimeFigureOut">
+            <a:fld id="{B3065D32-A6BD-4F50-9D7C-049C065D2763}" type="datetimeFigureOut">
               <a:rPr lang="zh-CN" altLang="en-US" smtClean="0"/>
               <a:t>2024/3/10</a:t>
             </a:fld>
@@ -1821,7 +1821,7 @@
           <p:cNvPr id="8" name="页脚占位符 7">
             <a:extLst>
               <a:ext uri="{FF2B5EF4-FFF2-40B4-BE49-F238E27FC236}">
-                <a16:creationId xmlns:a16="http://schemas.microsoft.com/office/drawing/2014/main" id="{58097776-D8B9-2209-32FA-B7887E914060}"/>
+                <a16:creationId xmlns:a16="http://schemas.microsoft.com/office/drawing/2014/main" id="{9269CFBC-354E-29DA-A23F-A091DAB71C65}"/>
               </a:ext>
             </a:extLst>
           </p:cNvPr>
@@ -1846,7 +1846,7 @@
           <p:cNvPr id="9" name="灯片编号占位符 8">
             <a:extLst>
               <a:ext uri="{FF2B5EF4-FFF2-40B4-BE49-F238E27FC236}">
-                <a16:creationId xmlns:a16="http://schemas.microsoft.com/office/drawing/2014/main" id="{418BB6E9-A54B-4C4E-056D-E9C17538AB05}"/>
+                <a16:creationId xmlns:a16="http://schemas.microsoft.com/office/drawing/2014/main" id="{3E6F7885-834C-8ED1-9092-42628F6592AD}"/>
               </a:ext>
             </a:extLst>
           </p:cNvPr>
@@ -1862,7 +1862,7 @@
           <a:bodyPr/>
           <a:lstStyle/>
           <a:p>
-            <a:fld id="{90F48551-40CA-4C2B-AEDD-9E1743D5ADD4}" type="slidenum">
+            <a:fld id="{01FDD88A-43DC-4095-9C04-A98F488A419D}" type="slidenum">
               <a:rPr lang="zh-CN" altLang="en-US" smtClean="0"/>
               <a:t>‹#›</a:t>
             </a:fld>
@@ -1873,7 +1873,7 @@
     </p:spTree>
     <p:extLst>
       <p:ext uri="{BB962C8B-B14F-4D97-AF65-F5344CB8AC3E}">
-        <p14:creationId xmlns:p14="http://schemas.microsoft.com/office/powerpoint/2010/main" val="2705377346"/>
+        <p14:creationId xmlns:p14="http://schemas.microsoft.com/office/powerpoint/2010/main" val="1023945641"/>
       </p:ext>
     </p:extLst>
   </p:cSld>
@@ -1905,7 +1905,7 @@
           <p:cNvPr id="2" name="标题 1">
             <a:extLst>
               <a:ext uri="{FF2B5EF4-FFF2-40B4-BE49-F238E27FC236}">
-                <a16:creationId xmlns:a16="http://schemas.microsoft.com/office/drawing/2014/main" id="{0664C558-4A0B-73C1-023A-1F778823BF86}"/>
+                <a16:creationId xmlns:a16="http://schemas.microsoft.com/office/drawing/2014/main" id="{FC7BF43E-93F6-E08B-3E8A-FD4B721520B4}"/>
               </a:ext>
             </a:extLst>
           </p:cNvPr>
@@ -1933,7 +1933,7 @@
           <p:cNvPr id="3" name="日期占位符 2">
             <a:extLst>
               <a:ext uri="{FF2B5EF4-FFF2-40B4-BE49-F238E27FC236}">
-                <a16:creationId xmlns:a16="http://schemas.microsoft.com/office/drawing/2014/main" id="{5BF20B64-BD41-9663-BCD1-93E043488B63}"/>
+                <a16:creationId xmlns:a16="http://schemas.microsoft.com/office/drawing/2014/main" id="{8B3CD1A0-D7A2-789C-5FF5-73A548DF4892}"/>
               </a:ext>
             </a:extLst>
           </p:cNvPr>
@@ -1949,7 +1949,7 @@
           <a:bodyPr/>
           <a:lstStyle/>
           <a:p>
-            <a:fld id="{427BFFA1-00A6-489F-8B6A-DCD778500B25}" type="datetimeFigureOut">
+            <a:fld id="{B3065D32-A6BD-4F50-9D7C-049C065D2763}" type="datetimeFigureOut">
               <a:rPr lang="zh-CN" altLang="en-US" smtClean="0"/>
               <a:t>2024/3/10</a:t>
             </a:fld>
@@ -1962,7 +1962,7 @@
           <p:cNvPr id="4" name="页脚占位符 3">
             <a:extLst>
               <a:ext uri="{FF2B5EF4-FFF2-40B4-BE49-F238E27FC236}">
-                <a16:creationId xmlns:a16="http://schemas.microsoft.com/office/drawing/2014/main" id="{BDC114E9-CDE2-D3EA-2216-329CD1A5045C}"/>
+                <a16:creationId xmlns:a16="http://schemas.microsoft.com/office/drawing/2014/main" id="{45F262D1-0FA1-FBA5-4EA6-7AB726DA5A73}"/>
               </a:ext>
             </a:extLst>
           </p:cNvPr>
@@ -1987,7 +1987,7 @@
           <p:cNvPr id="5" name="灯片编号占位符 4">
             <a:extLst>
               <a:ext uri="{FF2B5EF4-FFF2-40B4-BE49-F238E27FC236}">
-                <a16:creationId xmlns:a16="http://schemas.microsoft.com/office/drawing/2014/main" id="{D45A8272-D698-F103-DD84-EE1A43249EC0}"/>
+                <a16:creationId xmlns:a16="http://schemas.microsoft.com/office/drawing/2014/main" id="{B8E558DC-E663-7D8C-89D0-6A57AAA68815}"/>
               </a:ext>
             </a:extLst>
           </p:cNvPr>
@@ -2003,7 +2003,7 @@
           <a:bodyPr/>
           <a:lstStyle/>
           <a:p>
-            <a:fld id="{90F48551-40CA-4C2B-AEDD-9E1743D5ADD4}" type="slidenum">
+            <a:fld id="{01FDD88A-43DC-4095-9C04-A98F488A419D}" type="slidenum">
               <a:rPr lang="zh-CN" altLang="en-US" smtClean="0"/>
               <a:t>‹#›</a:t>
             </a:fld>
@@ -2014,7 +2014,7 @@
     </p:spTree>
     <p:extLst>
       <p:ext uri="{BB962C8B-B14F-4D97-AF65-F5344CB8AC3E}">
-        <p14:creationId xmlns:p14="http://schemas.microsoft.com/office/powerpoint/2010/main" val="492028127"/>
+        <p14:creationId xmlns:p14="http://schemas.microsoft.com/office/powerpoint/2010/main" val="2749086562"/>
       </p:ext>
     </p:extLst>
   </p:cSld>
@@ -2046,7 +2046,7 @@
           <p:cNvPr id="2" name="日期占位符 1">
             <a:extLst>
               <a:ext uri="{FF2B5EF4-FFF2-40B4-BE49-F238E27FC236}">
-                <a16:creationId xmlns:a16="http://schemas.microsoft.com/office/drawing/2014/main" id="{86CCD8A4-3CA2-8E6F-6DC3-505227BFB949}"/>
+                <a16:creationId xmlns:a16="http://schemas.microsoft.com/office/drawing/2014/main" id="{4C1DBECA-4E6B-C3A5-3664-4FD5026D33FC}"/>
               </a:ext>
             </a:extLst>
           </p:cNvPr>
@@ -2062,7 +2062,7 @@
           <a:bodyPr/>
           <a:lstStyle/>
           <a:p>
-            <a:fld id="{427BFFA1-00A6-489F-8B6A-DCD778500B25}" type="datetimeFigureOut">
+            <a:fld id="{B3065D32-A6BD-4F50-9D7C-049C065D2763}" type="datetimeFigureOut">
               <a:rPr lang="zh-CN" altLang="en-US" smtClean="0"/>
               <a:t>2024/3/10</a:t>
             </a:fld>
@@ -2075,7 +2075,7 @@
           <p:cNvPr id="3" name="页脚占位符 2">
             <a:extLst>
               <a:ext uri="{FF2B5EF4-FFF2-40B4-BE49-F238E27FC236}">
-                <a16:creationId xmlns:a16="http://schemas.microsoft.com/office/drawing/2014/main" id="{BCF57853-15F7-B659-F05E-72065FBB3560}"/>
+                <a16:creationId xmlns:a16="http://schemas.microsoft.com/office/drawing/2014/main" id="{7581CE43-7F00-5121-8CD9-755C3570677D}"/>
               </a:ext>
             </a:extLst>
           </p:cNvPr>
@@ -2100,7 +2100,7 @@
           <p:cNvPr id="4" name="灯片编号占位符 3">
             <a:extLst>
               <a:ext uri="{FF2B5EF4-FFF2-40B4-BE49-F238E27FC236}">
-                <a16:creationId xmlns:a16="http://schemas.microsoft.com/office/drawing/2014/main" id="{B2975BE4-50F6-3AC6-6520-ECD88FBC2454}"/>
+                <a16:creationId xmlns:a16="http://schemas.microsoft.com/office/drawing/2014/main" id="{E5574D3C-961B-6282-ED66-C26F0D18EBBC}"/>
               </a:ext>
             </a:extLst>
           </p:cNvPr>
@@ -2116,7 +2116,7 @@
           <a:bodyPr/>
           <a:lstStyle/>
           <a:p>
-            <a:fld id="{90F48551-40CA-4C2B-AEDD-9E1743D5ADD4}" type="slidenum">
+            <a:fld id="{01FDD88A-43DC-4095-9C04-A98F488A419D}" type="slidenum">
               <a:rPr lang="zh-CN" altLang="en-US" smtClean="0"/>
               <a:t>‹#›</a:t>
             </a:fld>
@@ -2127,7 +2127,7 @@
     </p:spTree>
     <p:extLst>
       <p:ext uri="{BB962C8B-B14F-4D97-AF65-F5344CB8AC3E}">
-        <p14:creationId xmlns:p14="http://schemas.microsoft.com/office/powerpoint/2010/main" val="129679191"/>
+        <p14:creationId xmlns:p14="http://schemas.microsoft.com/office/powerpoint/2010/main" val="3855280518"/>
       </p:ext>
     </p:extLst>
   </p:cSld>
@@ -2159,7 +2159,7 @@
           <p:cNvPr id="2" name="标题 1">
             <a:extLst>
               <a:ext uri="{FF2B5EF4-FFF2-40B4-BE49-F238E27FC236}">
-                <a16:creationId xmlns:a16="http://schemas.microsoft.com/office/drawing/2014/main" id="{37656626-807B-4D94-FFD9-32AD92296139}"/>
+                <a16:creationId xmlns:a16="http://schemas.microsoft.com/office/drawing/2014/main" id="{45062828-947C-1956-EF95-63556930DC40}"/>
               </a:ext>
             </a:extLst>
           </p:cNvPr>
@@ -2196,7 +2196,7 @@
           <p:cNvPr id="3" name="内容占位符 2">
             <a:extLst>
               <a:ext uri="{FF2B5EF4-FFF2-40B4-BE49-F238E27FC236}">
-                <a16:creationId xmlns:a16="http://schemas.microsoft.com/office/drawing/2014/main" id="{CC57D81D-FE08-C0A7-5367-DA7F22045277}"/>
+                <a16:creationId xmlns:a16="http://schemas.microsoft.com/office/drawing/2014/main" id="{7005B254-5C55-F2F6-C864-68BAB3907E17}"/>
               </a:ext>
             </a:extLst>
           </p:cNvPr>
@@ -2286,7 +2286,7 @@
           <p:cNvPr id="4" name="文本占位符 3">
             <a:extLst>
               <a:ext uri="{FF2B5EF4-FFF2-40B4-BE49-F238E27FC236}">
-                <a16:creationId xmlns:a16="http://schemas.microsoft.com/office/drawing/2014/main" id="{99CA75BA-5472-2F1A-23C4-C7AF0A9C69D5}"/>
+                <a16:creationId xmlns:a16="http://schemas.microsoft.com/office/drawing/2014/main" id="{FE5F7EC6-D7DA-09BB-94C3-5F76697DC69B}"/>
               </a:ext>
             </a:extLst>
           </p:cNvPr>
@@ -2357,7 +2357,7 @@
           <p:cNvPr id="5" name="日期占位符 4">
             <a:extLst>
               <a:ext uri="{FF2B5EF4-FFF2-40B4-BE49-F238E27FC236}">
-                <a16:creationId xmlns:a16="http://schemas.microsoft.com/office/drawing/2014/main" id="{B5CD9C4D-7924-7B30-0C76-0E897EA4EBE3}"/>
+                <a16:creationId xmlns:a16="http://schemas.microsoft.com/office/drawing/2014/main" id="{56706781-821E-BDA6-8E0A-9D121A11F72D}"/>
               </a:ext>
             </a:extLst>
           </p:cNvPr>
@@ -2373,7 +2373,7 @@
           <a:bodyPr/>
           <a:lstStyle/>
           <a:p>
-            <a:fld id="{427BFFA1-00A6-489F-8B6A-DCD778500B25}" type="datetimeFigureOut">
+            <a:fld id="{B3065D32-A6BD-4F50-9D7C-049C065D2763}" type="datetimeFigureOut">
               <a:rPr lang="zh-CN" altLang="en-US" smtClean="0"/>
               <a:t>2024/3/10</a:t>
             </a:fld>
@@ -2386,7 +2386,7 @@
           <p:cNvPr id="6" name="页脚占位符 5">
             <a:extLst>
               <a:ext uri="{FF2B5EF4-FFF2-40B4-BE49-F238E27FC236}">
-                <a16:creationId xmlns:a16="http://schemas.microsoft.com/office/drawing/2014/main" id="{E96AC907-9263-88F7-6A5E-BAD4F7E2EB5D}"/>
+                <a16:creationId xmlns:a16="http://schemas.microsoft.com/office/drawing/2014/main" id="{037689C5-E7AE-4DD5-92AA-31E59640C534}"/>
               </a:ext>
             </a:extLst>
           </p:cNvPr>
@@ -2411,7 +2411,7 @@
           <p:cNvPr id="7" name="灯片编号占位符 6">
             <a:extLst>
               <a:ext uri="{FF2B5EF4-FFF2-40B4-BE49-F238E27FC236}">
-                <a16:creationId xmlns:a16="http://schemas.microsoft.com/office/drawing/2014/main" id="{2BC03BC9-DF37-92C4-F28F-AF50E22E3F8B}"/>
+                <a16:creationId xmlns:a16="http://schemas.microsoft.com/office/drawing/2014/main" id="{6EDAAD8A-6652-F48D-6C05-958FFEB96852}"/>
               </a:ext>
             </a:extLst>
           </p:cNvPr>
@@ -2427,7 +2427,7 @@
           <a:bodyPr/>
           <a:lstStyle/>
           <a:p>
-            <a:fld id="{90F48551-40CA-4C2B-AEDD-9E1743D5ADD4}" type="slidenum">
+            <a:fld id="{01FDD88A-43DC-4095-9C04-A98F488A419D}" type="slidenum">
               <a:rPr lang="zh-CN" altLang="en-US" smtClean="0"/>
               <a:t>‹#›</a:t>
             </a:fld>
@@ -2438,7 +2438,7 @@
     </p:spTree>
     <p:extLst>
       <p:ext uri="{BB962C8B-B14F-4D97-AF65-F5344CB8AC3E}">
-        <p14:creationId xmlns:p14="http://schemas.microsoft.com/office/powerpoint/2010/main" val="2417535936"/>
+        <p14:creationId xmlns:p14="http://schemas.microsoft.com/office/powerpoint/2010/main" val="2368730192"/>
       </p:ext>
     </p:extLst>
   </p:cSld>
@@ -2470,7 +2470,7 @@
           <p:cNvPr id="2" name="标题 1">
             <a:extLst>
               <a:ext uri="{FF2B5EF4-FFF2-40B4-BE49-F238E27FC236}">
-                <a16:creationId xmlns:a16="http://schemas.microsoft.com/office/drawing/2014/main" id="{1A72B866-BFC7-1C4E-9482-3A2F5FD68211}"/>
+                <a16:creationId xmlns:a16="http://schemas.microsoft.com/office/drawing/2014/main" id="{005ABCAA-B34F-46B2-F7AA-0382D1822B04}"/>
               </a:ext>
             </a:extLst>
           </p:cNvPr>
@@ -2507,7 +2507,7 @@
           <p:cNvPr id="3" name="图片占位符 2">
             <a:extLst>
               <a:ext uri="{FF2B5EF4-FFF2-40B4-BE49-F238E27FC236}">
-                <a16:creationId xmlns:a16="http://schemas.microsoft.com/office/drawing/2014/main" id="{7C1FF76A-C0E8-C06C-F08A-85600D390ACB}"/>
+                <a16:creationId xmlns:a16="http://schemas.microsoft.com/office/drawing/2014/main" id="{A90C5BAF-6D97-BD01-34F6-C6DACC54A348}"/>
               </a:ext>
             </a:extLst>
           </p:cNvPr>
@@ -2574,7 +2574,7 @@
           <p:cNvPr id="4" name="文本占位符 3">
             <a:extLst>
               <a:ext uri="{FF2B5EF4-FFF2-40B4-BE49-F238E27FC236}">
-                <a16:creationId xmlns:a16="http://schemas.microsoft.com/office/drawing/2014/main" id="{2DDE0497-05F6-B398-E0C6-1F81A08F432E}"/>
+                <a16:creationId xmlns:a16="http://schemas.microsoft.com/office/drawing/2014/main" id="{71DABE77-4B33-76C3-A4EF-285E3AE52E33}"/>
               </a:ext>
             </a:extLst>
           </p:cNvPr>
@@ -2645,7 +2645,7 @@
           <p:cNvPr id="5" name="日期占位符 4">
             <a:extLst>
               <a:ext uri="{FF2B5EF4-FFF2-40B4-BE49-F238E27FC236}">
-                <a16:creationId xmlns:a16="http://schemas.microsoft.com/office/drawing/2014/main" id="{7FC55ABB-01B5-048E-5369-93FABB555AE2}"/>
+                <a16:creationId xmlns:a16="http://schemas.microsoft.com/office/drawing/2014/main" id="{5AFFAF93-8CB2-C830-D092-F932AA2A0681}"/>
               </a:ext>
             </a:extLst>
           </p:cNvPr>
@@ -2661,7 +2661,7 @@
           <a:bodyPr/>
           <a:lstStyle/>
           <a:p>
-            <a:fld id="{427BFFA1-00A6-489F-8B6A-DCD778500B25}" type="datetimeFigureOut">
+            <a:fld id="{B3065D32-A6BD-4F50-9D7C-049C065D2763}" type="datetimeFigureOut">
               <a:rPr lang="zh-CN" altLang="en-US" smtClean="0"/>
               <a:t>2024/3/10</a:t>
             </a:fld>
@@ -2674,7 +2674,7 @@
           <p:cNvPr id="6" name="页脚占位符 5">
             <a:extLst>
               <a:ext uri="{FF2B5EF4-FFF2-40B4-BE49-F238E27FC236}">
-                <a16:creationId xmlns:a16="http://schemas.microsoft.com/office/drawing/2014/main" id="{E25755A9-EDA5-32FB-A6B9-3E0301CCF29A}"/>
+                <a16:creationId xmlns:a16="http://schemas.microsoft.com/office/drawing/2014/main" id="{DB0E54D3-0389-2405-DC0B-42244428AE22}"/>
               </a:ext>
             </a:extLst>
           </p:cNvPr>
@@ -2699,7 +2699,7 @@
           <p:cNvPr id="7" name="灯片编号占位符 6">
             <a:extLst>
               <a:ext uri="{FF2B5EF4-FFF2-40B4-BE49-F238E27FC236}">
-                <a16:creationId xmlns:a16="http://schemas.microsoft.com/office/drawing/2014/main" id="{1F136332-C1AF-20D9-3697-49FFBE7F8969}"/>
+                <a16:creationId xmlns:a16="http://schemas.microsoft.com/office/drawing/2014/main" id="{A57D577E-9D0D-E012-5711-18FF6D53D6B1}"/>
               </a:ext>
             </a:extLst>
           </p:cNvPr>
@@ -2715,7 +2715,7 @@
           <a:bodyPr/>
           <a:lstStyle/>
           <a:p>
-            <a:fld id="{90F48551-40CA-4C2B-AEDD-9E1743D5ADD4}" type="slidenum">
+            <a:fld id="{01FDD88A-43DC-4095-9C04-A98F488A419D}" type="slidenum">
               <a:rPr lang="zh-CN" altLang="en-US" smtClean="0"/>
               <a:t>‹#›</a:t>
             </a:fld>
@@ -2726,7 +2726,7 @@
     </p:spTree>
     <p:extLst>
       <p:ext uri="{BB962C8B-B14F-4D97-AF65-F5344CB8AC3E}">
-        <p14:creationId xmlns:p14="http://schemas.microsoft.com/office/powerpoint/2010/main" val="539707424"/>
+        <p14:creationId xmlns:p14="http://schemas.microsoft.com/office/powerpoint/2010/main" val="355854238"/>
       </p:ext>
     </p:extLst>
   </p:cSld>
@@ -2763,7 +2763,7 @@
           <p:cNvPr id="2" name="标题占位符 1">
             <a:extLst>
               <a:ext uri="{FF2B5EF4-FFF2-40B4-BE49-F238E27FC236}">
-                <a16:creationId xmlns:a16="http://schemas.microsoft.com/office/drawing/2014/main" id="{08F2C049-4484-009A-46DB-79B803D775B4}"/>
+                <a16:creationId xmlns:a16="http://schemas.microsoft.com/office/drawing/2014/main" id="{C166E3C0-3B2B-6E81-75DD-042B2CB272D4}"/>
               </a:ext>
             </a:extLst>
           </p:cNvPr>
@@ -2801,7 +2801,7 @@
           <p:cNvPr id="3" name="文本占位符 2">
             <a:extLst>
               <a:ext uri="{FF2B5EF4-FFF2-40B4-BE49-F238E27FC236}">
-                <a16:creationId xmlns:a16="http://schemas.microsoft.com/office/drawing/2014/main" id="{BD3B3458-08F9-B269-DE4B-3F71EF5D7655}"/>
+                <a16:creationId xmlns:a16="http://schemas.microsoft.com/office/drawing/2014/main" id="{B11A937C-E94D-B995-DE6A-51C0C2C81DD6}"/>
               </a:ext>
             </a:extLst>
           </p:cNvPr>
@@ -2868,7 +2868,7 @@
           <p:cNvPr id="4" name="日期占位符 3">
             <a:extLst>
               <a:ext uri="{FF2B5EF4-FFF2-40B4-BE49-F238E27FC236}">
-                <a16:creationId xmlns:a16="http://schemas.microsoft.com/office/drawing/2014/main" id="{FDD2C743-5A97-CF78-6292-512A385DDB56}"/>
+                <a16:creationId xmlns:a16="http://schemas.microsoft.com/office/drawing/2014/main" id="{42BA9A65-7B25-D7F3-A788-DBA9D64FAFCE}"/>
               </a:ext>
             </a:extLst>
           </p:cNvPr>
@@ -2902,7 +2902,7 @@
             </a:lvl1pPr>
           </a:lstStyle>
           <a:p>
-            <a:fld id="{427BFFA1-00A6-489F-8B6A-DCD778500B25}" type="datetimeFigureOut">
+            <a:fld id="{B3065D32-A6BD-4F50-9D7C-049C065D2763}" type="datetimeFigureOut">
               <a:rPr lang="zh-CN" altLang="en-US" smtClean="0"/>
               <a:t>2024/3/10</a:t>
             </a:fld>
@@ -2915,7 +2915,7 @@
           <p:cNvPr id="5" name="页脚占位符 4">
             <a:extLst>
               <a:ext uri="{FF2B5EF4-FFF2-40B4-BE49-F238E27FC236}">
-                <a16:creationId xmlns:a16="http://schemas.microsoft.com/office/drawing/2014/main" id="{FA793672-9364-5570-B571-95CBA3628974}"/>
+                <a16:creationId xmlns:a16="http://schemas.microsoft.com/office/drawing/2014/main" id="{4431BEFC-7BF1-4063-1DB7-2213311FFEEB}"/>
               </a:ext>
             </a:extLst>
           </p:cNvPr>
@@ -2958,7 +2958,7 @@
           <p:cNvPr id="6" name="灯片编号占位符 5">
             <a:extLst>
               <a:ext uri="{FF2B5EF4-FFF2-40B4-BE49-F238E27FC236}">
-                <a16:creationId xmlns:a16="http://schemas.microsoft.com/office/drawing/2014/main" id="{21E86D60-9158-BD07-E4F1-75226F8D70E1}"/>
+                <a16:creationId xmlns:a16="http://schemas.microsoft.com/office/drawing/2014/main" id="{E6BAD88B-76D2-4132-716A-25F941383599}"/>
               </a:ext>
             </a:extLst>
           </p:cNvPr>
@@ -2992,7 +2992,7 @@
             </a:lvl1pPr>
           </a:lstStyle>
           <a:p>
-            <a:fld id="{90F48551-40CA-4C2B-AEDD-9E1743D5ADD4}" type="slidenum">
+            <a:fld id="{01FDD88A-43DC-4095-9C04-A98F488A419D}" type="slidenum">
               <a:rPr lang="zh-CN" altLang="en-US" smtClean="0"/>
               <a:t>‹#›</a:t>
             </a:fld>
@@ -3003,7 +3003,7 @@
     </p:spTree>
     <p:extLst>
       <p:ext uri="{BB962C8B-B14F-4D97-AF65-F5344CB8AC3E}">
-        <p14:creationId xmlns:p14="http://schemas.microsoft.com/office/powerpoint/2010/main" val="831887738"/>
+        <p14:creationId xmlns:p14="http://schemas.microsoft.com/office/powerpoint/2010/main" val="3452507504"/>
       </p:ext>
     </p:extLst>
   </p:cSld>
